--- a/Cesium/Santa2013/figures/figures.pptx
+++ b/Cesium/Santa2013/figures/figures.pptx
@@ -289,7 +289,7 @@
           <a:p>
             <a:fld id="{4D38F1A7-BD43-4941-BEEB-FF64D2E7DB81}" type="datetimeFigureOut">
               <a:rPr lang="en-US" smtClean="0"/>
-              <a:t>12/21/13</a:t>
+              <a:t>12/23/2013</a:t>
             </a:fld>
             <a:endParaRPr lang="en-US"/>
           </a:p>
@@ -459,7 +459,7 @@
           <a:p>
             <a:fld id="{4D38F1A7-BD43-4941-BEEB-FF64D2E7DB81}" type="datetimeFigureOut">
               <a:rPr lang="en-US" smtClean="0"/>
-              <a:t>12/21/13</a:t>
+              <a:t>12/23/2013</a:t>
             </a:fld>
             <a:endParaRPr lang="en-US"/>
           </a:p>
@@ -639,7 +639,7 @@
           <a:p>
             <a:fld id="{4D38F1A7-BD43-4941-BEEB-FF64D2E7DB81}" type="datetimeFigureOut">
               <a:rPr lang="en-US" smtClean="0"/>
-              <a:t>12/21/13</a:t>
+              <a:t>12/23/2013</a:t>
             </a:fld>
             <a:endParaRPr lang="en-US"/>
           </a:p>
@@ -809,7 +809,7 @@
           <a:p>
             <a:fld id="{4D38F1A7-BD43-4941-BEEB-FF64D2E7DB81}" type="datetimeFigureOut">
               <a:rPr lang="en-US" smtClean="0"/>
-              <a:t>12/21/13</a:t>
+              <a:t>12/23/2013</a:t>
             </a:fld>
             <a:endParaRPr lang="en-US"/>
           </a:p>
@@ -1055,7 +1055,7 @@
           <a:p>
             <a:fld id="{4D38F1A7-BD43-4941-BEEB-FF64D2E7DB81}" type="datetimeFigureOut">
               <a:rPr lang="en-US" smtClean="0"/>
-              <a:t>12/21/13</a:t>
+              <a:t>12/23/2013</a:t>
             </a:fld>
             <a:endParaRPr lang="en-US"/>
           </a:p>
@@ -1343,7 +1343,7 @@
           <a:p>
             <a:fld id="{4D38F1A7-BD43-4941-BEEB-FF64D2E7DB81}" type="datetimeFigureOut">
               <a:rPr lang="en-US" smtClean="0"/>
-              <a:t>12/21/13</a:t>
+              <a:t>12/23/2013</a:t>
             </a:fld>
             <a:endParaRPr lang="en-US"/>
           </a:p>
@@ -1765,7 +1765,7 @@
           <a:p>
             <a:fld id="{4D38F1A7-BD43-4941-BEEB-FF64D2E7DB81}" type="datetimeFigureOut">
               <a:rPr lang="en-US" smtClean="0"/>
-              <a:t>12/21/13</a:t>
+              <a:t>12/23/2013</a:t>
             </a:fld>
             <a:endParaRPr lang="en-US"/>
           </a:p>
@@ -1883,7 +1883,7 @@
           <a:p>
             <a:fld id="{4D38F1A7-BD43-4941-BEEB-FF64D2E7DB81}" type="datetimeFigureOut">
               <a:rPr lang="en-US" smtClean="0"/>
-              <a:t>12/21/13</a:t>
+              <a:t>12/23/2013</a:t>
             </a:fld>
             <a:endParaRPr lang="en-US"/>
           </a:p>
@@ -1978,7 +1978,7 @@
           <a:p>
             <a:fld id="{4D38F1A7-BD43-4941-BEEB-FF64D2E7DB81}" type="datetimeFigureOut">
               <a:rPr lang="en-US" smtClean="0"/>
-              <a:t>12/21/13</a:t>
+              <a:t>12/23/2013</a:t>
             </a:fld>
             <a:endParaRPr lang="en-US"/>
           </a:p>
@@ -2255,7 +2255,7 @@
           <a:p>
             <a:fld id="{4D38F1A7-BD43-4941-BEEB-FF64D2E7DB81}" type="datetimeFigureOut">
               <a:rPr lang="en-US" smtClean="0"/>
-              <a:t>12/21/13</a:t>
+              <a:t>12/23/2013</a:t>
             </a:fld>
             <a:endParaRPr lang="en-US"/>
           </a:p>
@@ -2508,7 +2508,7 @@
           <a:p>
             <a:fld id="{4D38F1A7-BD43-4941-BEEB-FF64D2E7DB81}" type="datetimeFigureOut">
               <a:rPr lang="en-US" smtClean="0"/>
-              <a:t>12/21/13</a:t>
+              <a:t>12/23/2013</a:t>
             </a:fld>
             <a:endParaRPr lang="en-US"/>
           </a:p>
@@ -2721,7 +2721,7 @@
           <a:p>
             <a:fld id="{4D38F1A7-BD43-4941-BEEB-FF64D2E7DB81}" type="datetimeFigureOut">
               <a:rPr lang="en-US" smtClean="0"/>
-              <a:t>12/21/13</a:t>
+              <a:t>12/23/2013</a:t>
             </a:fld>
             <a:endParaRPr lang="en-US"/>
           </a:p>
@@ -3290,7 +3290,7 @@
             <a:pPr algn="ctr"/>
             <a:r>
               <a:rPr lang="en-US" b="1" dirty="0" smtClean="0"/>
-              <a:t>COLLADA2JSON</a:t>
+              <a:t>COLLADA2GLTF</a:t>
             </a:r>
             <a:endParaRPr lang="en-US" b="1" dirty="0"/>
           </a:p>
